--- a/labs/docs/lab2.pptx
+++ b/labs/docs/lab2.pptx
@@ -263,7 +263,7 @@
           <a:p>
             <a:fld id="{C087EBFC-4C71-45DC-A0E1-46F8394EE8A8}" type="datetimeFigureOut">
               <a:rPr lang="en-US" smtClean="0"/>
-              <a:t>2/3/2022</a:t>
+              <a:t>2/15/2022</a:t>
             </a:fld>
             <a:endParaRPr lang="en-US"/>
           </a:p>
@@ -431,7 +431,7 @@
           <a:p>
             <a:fld id="{C087EBFC-4C71-45DC-A0E1-46F8394EE8A8}" type="datetimeFigureOut">
               <a:rPr lang="en-US" smtClean="0"/>
-              <a:t>2/3/2022</a:t>
+              <a:t>2/15/2022</a:t>
             </a:fld>
             <a:endParaRPr lang="en-US"/>
           </a:p>
@@ -609,7 +609,7 @@
           <a:p>
             <a:fld id="{C087EBFC-4C71-45DC-A0E1-46F8394EE8A8}" type="datetimeFigureOut">
               <a:rPr lang="en-US" smtClean="0"/>
-              <a:t>2/3/2022</a:t>
+              <a:t>2/15/2022</a:t>
             </a:fld>
             <a:endParaRPr lang="en-US"/>
           </a:p>
@@ -777,7 +777,7 @@
           <a:p>
             <a:fld id="{C087EBFC-4C71-45DC-A0E1-46F8394EE8A8}" type="datetimeFigureOut">
               <a:rPr lang="en-US" smtClean="0"/>
-              <a:t>2/3/2022</a:t>
+              <a:t>2/15/2022</a:t>
             </a:fld>
             <a:endParaRPr lang="en-US"/>
           </a:p>
@@ -1022,7 +1022,7 @@
           <a:p>
             <a:fld id="{C087EBFC-4C71-45DC-A0E1-46F8394EE8A8}" type="datetimeFigureOut">
               <a:rPr lang="en-US" smtClean="0"/>
-              <a:t>2/3/2022</a:t>
+              <a:t>2/15/2022</a:t>
             </a:fld>
             <a:endParaRPr lang="en-US"/>
           </a:p>
@@ -1251,7 +1251,7 @@
           <a:p>
             <a:fld id="{C087EBFC-4C71-45DC-A0E1-46F8394EE8A8}" type="datetimeFigureOut">
               <a:rPr lang="en-US" smtClean="0"/>
-              <a:t>2/3/2022</a:t>
+              <a:t>2/15/2022</a:t>
             </a:fld>
             <a:endParaRPr lang="en-US"/>
           </a:p>
@@ -1615,7 +1615,7 @@
           <a:p>
             <a:fld id="{C087EBFC-4C71-45DC-A0E1-46F8394EE8A8}" type="datetimeFigureOut">
               <a:rPr lang="en-US" smtClean="0"/>
-              <a:t>2/3/2022</a:t>
+              <a:t>2/15/2022</a:t>
             </a:fld>
             <a:endParaRPr lang="en-US"/>
           </a:p>
@@ -1732,7 +1732,7 @@
           <a:p>
             <a:fld id="{C087EBFC-4C71-45DC-A0E1-46F8394EE8A8}" type="datetimeFigureOut">
               <a:rPr lang="en-US" smtClean="0"/>
-              <a:t>2/3/2022</a:t>
+              <a:t>2/15/2022</a:t>
             </a:fld>
             <a:endParaRPr lang="en-US"/>
           </a:p>
@@ -1827,7 +1827,7 @@
           <a:p>
             <a:fld id="{C087EBFC-4C71-45DC-A0E1-46F8394EE8A8}" type="datetimeFigureOut">
               <a:rPr lang="en-US" smtClean="0"/>
-              <a:t>2/3/2022</a:t>
+              <a:t>2/15/2022</a:t>
             </a:fld>
             <a:endParaRPr lang="en-US"/>
           </a:p>
@@ -2102,7 +2102,7 @@
           <a:p>
             <a:fld id="{C087EBFC-4C71-45DC-A0E1-46F8394EE8A8}" type="datetimeFigureOut">
               <a:rPr lang="en-US" smtClean="0"/>
-              <a:t>2/3/2022</a:t>
+              <a:t>2/15/2022</a:t>
             </a:fld>
             <a:endParaRPr lang="en-US"/>
           </a:p>
@@ -2354,7 +2354,7 @@
           <a:p>
             <a:fld id="{C087EBFC-4C71-45DC-A0E1-46F8394EE8A8}" type="datetimeFigureOut">
               <a:rPr lang="en-US" smtClean="0"/>
-              <a:t>2/3/2022</a:t>
+              <a:t>2/15/2022</a:t>
             </a:fld>
             <a:endParaRPr lang="en-US"/>
           </a:p>
@@ -2565,7 +2565,7 @@
           <a:p>
             <a:fld id="{C087EBFC-4C71-45DC-A0E1-46F8394EE8A8}" type="datetimeFigureOut">
               <a:rPr lang="en-US" smtClean="0"/>
-              <a:t>2/3/2022</a:t>
+              <a:t>2/15/2022</a:t>
             </a:fld>
             <a:endParaRPr lang="en-US"/>
           </a:p>
@@ -2979,7 +2979,7 @@
         <p:spPr>
           <a:xfrm>
             <a:off x="2111672" y="1381468"/>
-            <a:ext cx="8117767" cy="3785652"/>
+            <a:ext cx="8117767" cy="4339650"/>
           </a:xfrm>
           <a:prstGeom prst="rect">
             <a:avLst/>
@@ -3062,7 +3062,7 @@
               <a:t> </a:t>
             </a:r>
             <a:r>
-              <a:rPr lang="en-US" sz="3600" dirty="0">
+              <a:rPr lang="en-US" sz="3600">
                 <a:solidFill>
                   <a:srgbClr val="00B050"/>
                 </a:solidFill>
@@ -3070,6 +3070,9 @@
               </a:rPr>
               <a:t>2022 Spring</a:t>
             </a:r>
+          </a:p>
+          <a:p>
+            <a:pPr algn="ctr"/>
             <a:br>
               <a:rPr lang="en-US" sz="3600" dirty="0">
                 <a:solidFill>
@@ -3078,33 +3081,68 @@
                 <a:latin typeface="Trebuchet"/>
               </a:rPr>
             </a:br>
-            <a:br>
-              <a:rPr lang="en-US" sz="3600" dirty="0">
-                <a:solidFill>
-                  <a:srgbClr val="00B050"/>
-                </a:solidFill>
+            <a:r>
+              <a:rPr lang="en-US" altLang="zh-CN" sz="2400" dirty="0" err="1">
                 <a:latin typeface="Trebuchet"/>
               </a:rPr>
-            </a:br>
-            <a:br>
-              <a:rPr lang="en-US" sz="3600" dirty="0">
-                <a:solidFill>
-                  <a:srgbClr val="00B050"/>
-                </a:solidFill>
-                <a:latin typeface="Trebuchet"/>
-              </a:rPr>
-            </a:br>
+              <a:t>ChengPeng</a:t>
+            </a:r>
             <a:r>
               <a:rPr lang="en-US" altLang="zh-CN" sz="2400" dirty="0">
                 <a:latin typeface="Trebuchet"/>
               </a:rPr>
-              <a:t>Bowen Zhang</a:t>
+              <a:t> Wang(cwangch@cse.ust.hk)</a:t>
+            </a:r>
+            <a:br>
+              <a:rPr lang="en-US" altLang="zh-CN" sz="2400" dirty="0">
+                <a:latin typeface="Trebuchet"/>
+              </a:rPr>
+            </a:br>
+            <a:r>
+              <a:rPr lang="en-US" altLang="zh-CN" sz="2400" dirty="0" err="1">
+                <a:latin typeface="Trebuchet"/>
+              </a:rPr>
+              <a:t>Yiyuan</a:t>
+            </a:r>
+            <a:r>
+              <a:rPr lang="en-US" altLang="zh-CN" sz="2400" dirty="0">
+                <a:latin typeface="Trebuchet"/>
+              </a:rPr>
+              <a:t> Guo(yguoaz@cse.ust.hk)</a:t>
+            </a:r>
+            <a:br>
+              <a:rPr lang="en-US" altLang="zh-CN" sz="2400" dirty="0">
+                <a:latin typeface="Trebuchet"/>
+              </a:rPr>
+            </a:br>
+            <a:r>
+              <a:rPr lang="en-US" altLang="zh-CN" sz="2400" dirty="0">
+                <a:latin typeface="Trebuchet"/>
+              </a:rPr>
+              <a:t>Bowen Zhang(bzhangbr@cse.ust.hk)</a:t>
+            </a:r>
+            <a:br>
+              <a:rPr lang="en-US" altLang="zh-CN" sz="2400" dirty="0">
+                <a:latin typeface="Trebuchet"/>
+              </a:rPr>
+            </a:br>
+            <a:r>
+              <a:rPr lang="en-US" altLang="zh-CN" sz="2400" dirty="0" err="1">
+                <a:latin typeface="Trebuchet"/>
+              </a:rPr>
+              <a:t>Heqing</a:t>
+            </a:r>
+            <a:r>
+              <a:rPr lang="en-US" altLang="zh-CN" sz="2400" dirty="0">
+                <a:latin typeface="Trebuchet"/>
+              </a:rPr>
+              <a:t> Huang(hhuangaz@cse.ust.hk)</a:t>
             </a:r>
             <a:r>
               <a:rPr lang="en-US" sz="2400" dirty="0">
                 <a:latin typeface="Trebuchet"/>
               </a:rPr>
-              <a:t>(bowen.zhang@connect.ust.hk)</a:t>
+              <a:t>)</a:t>
             </a:r>
             <a:endParaRPr lang="en-US" sz="2400" dirty="0"/>
           </a:p>
@@ -4764,10 +4802,22 @@
           <a:lstStyle/>
           <a:p>
             <a:r>
+              <a:rPr lang="en-US" err="1">
+                <a:latin typeface="Trebuchet MS" charset="0"/>
+              </a:rPr>
+              <a:t>java</a:t>
+            </a:r>
+            <a:r>
+              <a:rPr lang="en-US">
+                <a:latin typeface="Trebuchet MS" charset="0"/>
+              </a:rPr>
+              <a:t>.io.</a:t>
+            </a:r>
+            <a:r>
               <a:rPr lang="en-US" dirty="0" err="1">
                 <a:latin typeface="Trebuchet MS" charset="0"/>
               </a:rPr>
-              <a:t>java.util.File</a:t>
+              <a:t>File</a:t>
             </a:r>
             <a:endParaRPr lang="en-US" dirty="0"/>
           </a:p>
